--- a/Presentetion_EthicalHacking (1).pptx
+++ b/Presentetion_EthicalHacking (1).pptx
@@ -10083,7 +10083,7 @@
                 </a:solidFill>
                 <a:latin typeface="Calibri"/>
               </a:rPr>
-              <a:t>11</a:t>
+              <a:t>10</a:t>
             </a:r>
             <a:endParaRPr lang="en-US" sz="2400" b="0" u="none" strike="noStrike" dirty="0">
               <a:solidFill>
@@ -10615,7 +10615,7 @@
                 <a:uFillTx/>
                 <a:latin typeface="Calibri"/>
               </a:rPr>
-              <a:t>12</a:t>
+              <a:t>11</a:t>
             </a:r>
             <a:endParaRPr lang="en-US" sz="2400" b="0" u="none" strike="noStrike" dirty="0">
               <a:solidFill>
@@ -13326,7 +13326,7 @@
                   <a:schemeClr val="tx2"/>
                 </a:solidFill>
               </a:rPr>
-              <a:t>FIGURE 2. ARP ping Scan .</a:t>
+              <a:t>FIGURE 4. ARP ping Scan .</a:t>
             </a:r>
             <a:endParaRPr lang="en-US" dirty="0"/>
           </a:p>
@@ -13553,7 +13553,7 @@
                 </a:solidFill>
                 <a:latin typeface="Calibri"/>
               </a:rPr>
-              <a:t>15</a:t>
+              <a:t>14</a:t>
             </a:r>
             <a:endParaRPr lang="en-US" sz="2400" b="0" u="none" strike="noStrike" dirty="0">
               <a:solidFill>
@@ -13886,7 +13886,7 @@
                   <a:schemeClr val="tx2"/>
                 </a:solidFill>
               </a:rPr>
-              <a:t>FIGURE 3. UDP ping scan  to determine if the host is offline .</a:t>
+              <a:t>FIGURE 6. UDP ping scan  to determine if the host is offline .</a:t>
             </a:r>
             <a:endParaRPr lang="en-US" dirty="0">
               <a:solidFill>
@@ -13942,7 +13942,7 @@
                   <a:schemeClr val="tx2"/>
                 </a:solidFill>
               </a:rPr>
-              <a:t>FIGURE 2. UDP ping scan  to determine if the host is active .</a:t>
+              <a:t>FIGURE 5. UDP ping scan  to determine if the host is active .</a:t>
             </a:r>
             <a:endParaRPr lang="en-US" dirty="0">
               <a:solidFill>
@@ -14174,7 +14174,7 @@
                 </a:solidFill>
                 <a:latin typeface="Calibri"/>
               </a:rPr>
-              <a:t>16</a:t>
+              <a:t>15</a:t>
             </a:r>
             <a:endParaRPr lang="en-US" sz="2400" b="0" u="none" strike="noStrike" dirty="0">
               <a:solidFill>
@@ -14234,7 +14234,7 @@
                 </a:solidFill>
                 <a:latin typeface="Calibri Light"/>
               </a:rPr>
-              <a:t>Host Discovery Traditional Scanning VS  With AI </a:t>
+              <a:t>Host Discovery  With AI VS Traditional Scanning </a:t>
             </a:r>
             <a:endParaRPr lang="en-US" sz="4140" b="1" u="none" strike="noStrike" dirty="0">
               <a:solidFill>
@@ -14999,7 +14999,7 @@
                 </a:solidFill>
                 <a:latin typeface="Calibri"/>
               </a:rPr>
-              <a:t>17</a:t>
+              <a:t>16</a:t>
             </a:r>
             <a:endParaRPr lang="en-US" sz="2400" b="0" u="none" strike="noStrike" dirty="0">
               <a:solidFill>
@@ -15034,7 +15034,7 @@
         <p:spPr>
           <a:xfrm>
             <a:off x="689699" y="709755"/>
-            <a:ext cx="10264597" cy="5140439"/>
+            <a:ext cx="10264597" cy="5363054"/>
           </a:xfrm>
           <a:prstGeom prst="rect">
             <a:avLst/>
@@ -15262,7 +15262,7 @@
                 </a:solidFill>
                 <a:latin typeface="Calibri"/>
               </a:rPr>
-              <a:t>18</a:t>
+              <a:t>17</a:t>
             </a:r>
             <a:endParaRPr lang="en-US" sz="2400" b="0" u="none" strike="noStrike" dirty="0">
               <a:solidFill>
@@ -15672,7 +15672,7 @@
                 </a:solidFill>
                 <a:latin typeface="Calibri"/>
               </a:rPr>
-              <a:t>19</a:t>
+              <a:t>18</a:t>
             </a:r>
             <a:endParaRPr lang="en-US" sz="2400" b="0" u="none" strike="noStrike" dirty="0">
               <a:solidFill>
@@ -16054,13 +16054,14 @@
               </a:lnSpc>
             </a:pPr>
             <a:r>
-              <a:rPr lang="en-US" sz="2400" dirty="0">
+              <a:rPr lang="en-US" sz="2400" b="0" u="none" strike="noStrike" dirty="0">
                 <a:solidFill>
                   <a:schemeClr val="dk1"/>
                 </a:solidFill>
+                <a:uFillTx/>
                 <a:latin typeface="Calibri"/>
               </a:rPr>
-              <a:t>20</a:t>
+              <a:t>19</a:t>
             </a:r>
             <a:endParaRPr lang="en-US" sz="2400" b="0" u="none" strike="noStrike" dirty="0">
               <a:solidFill>
@@ -18219,7 +18220,7 @@
                 </a:solidFill>
                 <a:latin typeface="Calibri"/>
               </a:rPr>
-              <a:t>21</a:t>
+              <a:t>20</a:t>
             </a:r>
             <a:endParaRPr lang="en-US" sz="2400" b="0" u="none" strike="noStrike" dirty="0">
               <a:solidFill>
@@ -18343,7 +18344,7 @@
                   <a:schemeClr val="accent5"/>
                 </a:solidFill>
               </a:rPr>
-              <a:t> FIGURE 3: Scan result when a port is open  </a:t>
+              <a:t> FIGURE 7. Scan result when a port is open  </a:t>
             </a:r>
             <a:endParaRPr lang="en-US" dirty="0"/>
           </a:p>
@@ -18731,7 +18732,7 @@
                 </a:solidFill>
                 <a:latin typeface="Calibri"/>
               </a:rPr>
-              <a:t>22</a:t>
+              <a:t>21</a:t>
             </a:r>
             <a:endParaRPr lang="en-US" sz="2400" b="0" u="none" strike="noStrike" dirty="0">
               <a:solidFill>
@@ -18864,7 +18865,7 @@
                   <a:schemeClr val="accent5"/>
                 </a:solidFill>
               </a:rPr>
-              <a:t> FIGURE 3: Scan result when a port is closed </a:t>
+              <a:t> FIGURE 8. Scan result when a port is closed </a:t>
             </a:r>
             <a:endParaRPr lang="en-US" dirty="0"/>
           </a:p>
@@ -19216,7 +19217,7 @@
                 </a:solidFill>
                 <a:latin typeface="Calibri"/>
               </a:rPr>
-              <a:t>23</a:t>
+              <a:t>22</a:t>
             </a:r>
             <a:endParaRPr lang="en-US" sz="2400" b="0" u="none" strike="noStrike" dirty="0">
               <a:solidFill>
@@ -19340,7 +19341,7 @@
                   <a:schemeClr val="accent5"/>
                 </a:solidFill>
               </a:rPr>
-              <a:t> FIGURE 3: UDP </a:t>
+              <a:t> FIGURE 9: UDP </a:t>
             </a:r>
             <a:r>
               <a:rPr lang="en-US" dirty="0" err="1">
@@ -19731,7 +19732,7 @@
                 </a:solidFill>
                 <a:latin typeface="Calibri"/>
               </a:rPr>
-              <a:t>24</a:t>
+              <a:t>23</a:t>
             </a:r>
             <a:endParaRPr lang="en-US" sz="2400" b="0" u="none" strike="noStrike" dirty="0">
               <a:solidFill>
@@ -19979,6 +19980,62 @@
               <a:rPr lang="en-US" sz="2000" dirty="0"/>
               <a:t>Using some ai command we can perform the port scanning operations. Some of them</a:t>
             </a:r>
+          </a:p>
+        </p:txBody>
+      </p:sp>
+      <p:sp>
+        <p:nvSpPr>
+          <p:cNvPr id="3" name="TextBox 2">
+            <a:extLst>
+              <a:ext uri="{FF2B5EF4-FFF2-40B4-BE49-F238E27FC236}">
+                <a16:creationId xmlns:a16="http://schemas.microsoft.com/office/drawing/2014/main" id="{5870FE3D-8EA4-5B9A-7B9C-C51F9D4EC3C1}"/>
+              </a:ext>
+            </a:extLst>
+          </p:cNvPr>
+          <p:cNvSpPr txBox="1"/>
+          <p:nvPr/>
+        </p:nvSpPr>
+        <p:spPr>
+          <a:xfrm>
+            <a:off x="6606089" y="5354424"/>
+            <a:ext cx="6100916" cy="369332"/>
+          </a:xfrm>
+          <a:prstGeom prst="rect">
+            <a:avLst/>
+          </a:prstGeom>
+          <a:noFill/>
+        </p:spPr>
+        <p:txBody>
+          <a:bodyPr wrap="square">
+            <a:spAutoFit/>
+          </a:bodyPr>
+          <a:lstStyle/>
+          <a:p>
+            <a:r>
+              <a:rPr lang="en-US" dirty="0">
+                <a:solidFill>
+                  <a:schemeClr val="accent5"/>
+                </a:solidFill>
+              </a:rPr>
+              <a:t> FIGURE 10: UDP </a:t>
+            </a:r>
+            <a:r>
+              <a:rPr lang="en-US" dirty="0" err="1">
+                <a:solidFill>
+                  <a:schemeClr val="accent5"/>
+                </a:solidFill>
+              </a:rPr>
+              <a:t>Scaning</a:t>
+            </a:r>
+            <a:r>
+              <a:rPr lang="en-US" dirty="0">
+                <a:solidFill>
+                  <a:schemeClr val="accent5"/>
+                </a:solidFill>
+              </a:rPr>
+              <a:t> </a:t>
+            </a:r>
+            <a:endParaRPr lang="en-US" dirty="0"/>
           </a:p>
         </p:txBody>
       </p:sp>
@@ -20204,7 +20261,7 @@
                 <a:uFillTx/>
                 <a:latin typeface="Calibri"/>
               </a:rPr>
-              <a:t>25</a:t>
+              <a:t>24</a:t>
             </a:r>
             <a:endParaRPr lang="en-US" sz="2400" b="0" u="none" strike="noStrike" dirty="0">
               <a:solidFill>
@@ -20325,7 +20382,7 @@
                   <a:schemeClr val="accent5"/>
                 </a:solidFill>
               </a:rPr>
-              <a:t> FIGURE 3: perform XMAS scan on the target Ip </a:t>
+              <a:t> FIGURE 11: perform XMAS scan on the target Ip </a:t>
             </a:r>
             <a:endParaRPr lang="en-US" dirty="0"/>
           </a:p>
@@ -20617,7 +20674,7 @@
                 </a:solidFill>
                 <a:latin typeface="Calibri"/>
               </a:rPr>
-              <a:t>26</a:t>
+              <a:t>25</a:t>
             </a:r>
             <a:endParaRPr lang="en-US" sz="2400" b="0" u="none" strike="noStrike" dirty="0">
               <a:solidFill>
@@ -20719,7 +20776,7 @@
         <p:spPr>
           <a:xfrm>
             <a:off x="828199" y="1482213"/>
-            <a:ext cx="4495065" cy="2246769"/>
+            <a:ext cx="4495065" cy="2616101"/>
           </a:xfrm>
           <a:prstGeom prst="rect">
             <a:avLst/>
@@ -20733,7 +20790,7 @@
           <a:lstStyle/>
           <a:p>
             <a:r>
-              <a:rPr lang="en-US" sz="2000" b="1" dirty="0"/>
+              <a:rPr lang="en-US" sz="2400" b="1" dirty="0"/>
               <a:t>Omit Non-Critical Tests</a:t>
             </a:r>
           </a:p>
@@ -20743,7 +20800,7 @@
               <a:buChar char="•"/>
             </a:pPr>
             <a:r>
-              <a:rPr lang="en-US" sz="2000" dirty="0"/>
+              <a:rPr lang="en-US" sz="2400" dirty="0"/>
               <a:t>Skip unnecessary scans like version detection or OS detection</a:t>
             </a:r>
           </a:p>
@@ -20753,14 +20810,14 @@
               <a:buChar char="•"/>
             </a:pPr>
             <a:r>
-              <a:rPr lang="en-US" sz="2000" dirty="0"/>
+              <a:rPr lang="en-US" sz="2400" dirty="0"/>
               <a:t>Focus only on required ports and services</a:t>
             </a:r>
             <a:br>
-              <a:rPr lang="en-US" sz="2000" dirty="0"/>
+              <a:rPr lang="en-US" sz="2400" dirty="0"/>
             </a:br>
             <a:r>
-              <a:rPr lang="en-US" sz="2000" dirty="0"/>
+              <a:rPr lang="en-US" sz="2400" dirty="0"/>
               <a:t>✔ Reduces scan overhead</a:t>
             </a:r>
           </a:p>
@@ -20784,7 +20841,7 @@
         <p:spPr>
           <a:xfrm>
             <a:off x="5599734" y="1475811"/>
-            <a:ext cx="4495065" cy="1631216"/>
+            <a:ext cx="4495065" cy="2246769"/>
           </a:xfrm>
           <a:prstGeom prst="rect">
             <a:avLst/>
@@ -20798,7 +20855,7 @@
           <a:lstStyle/>
           <a:p>
             <a:r>
-              <a:rPr lang="en-US" sz="2000" b="1" dirty="0"/>
+              <a:rPr lang="en-US" sz="2400" b="1" dirty="0"/>
               <a:t>Upgrade Nmap</a:t>
             </a:r>
           </a:p>
@@ -20808,7 +20865,7 @@
               <a:buChar char="•"/>
             </a:pPr>
             <a:r>
-              <a:rPr lang="en-US" sz="2000" dirty="0"/>
+              <a:rPr lang="en-US" sz="2400" dirty="0"/>
               <a:t>Use the latest Nmap version</a:t>
             </a:r>
           </a:p>
@@ -20818,14 +20875,14 @@
               <a:buChar char="•"/>
             </a:pPr>
             <a:r>
-              <a:rPr lang="en-US" sz="2000" dirty="0"/>
+              <a:rPr lang="en-US" sz="2400" dirty="0"/>
               <a:t>Improved performance and bug fixes</a:t>
             </a:r>
             <a:br>
-              <a:rPr lang="en-US" sz="2000" dirty="0"/>
+              <a:rPr lang="en-US" sz="2400" dirty="0"/>
             </a:br>
             <a:r>
-              <a:rPr lang="en-US" sz="2000" dirty="0"/>
+              <a:rPr lang="en-US" sz="2400" dirty="0"/>
               <a:t>✔ Faster and more accurate scans</a:t>
             </a:r>
           </a:p>
@@ -20849,7 +20906,7 @@
         <p:spPr>
           <a:xfrm>
             <a:off x="866264" y="3908786"/>
-            <a:ext cx="4495065" cy="1631216"/>
+            <a:ext cx="4495065" cy="2246769"/>
           </a:xfrm>
           <a:prstGeom prst="rect">
             <a:avLst/>
@@ -20863,7 +20920,7 @@
           <a:lstStyle/>
           <a:p>
             <a:r>
-              <a:rPr lang="en-US" sz="2000" b="1" dirty="0"/>
+              <a:rPr lang="en-US" sz="2400" b="1" dirty="0"/>
               <a:t>Optimize Timing Parameters</a:t>
             </a:r>
           </a:p>
@@ -20873,7 +20930,7 @@
               <a:buChar char="•"/>
             </a:pPr>
             <a:r>
-              <a:rPr lang="en-US" sz="2000" dirty="0"/>
+              <a:rPr lang="en-US" sz="2400" dirty="0"/>
               <a:t>Use faster timing templates (T3–T5)</a:t>
             </a:r>
           </a:p>
@@ -20883,14 +20940,14 @@
               <a:buChar char="•"/>
             </a:pPr>
             <a:r>
-              <a:rPr lang="en-US" sz="2000" dirty="0"/>
+              <a:rPr lang="en-US" sz="2400" dirty="0"/>
               <a:t>Adjust retries and delays</a:t>
             </a:r>
             <a:br>
-              <a:rPr lang="en-US" sz="2000" dirty="0"/>
+              <a:rPr lang="en-US" sz="2400" dirty="0"/>
             </a:br>
             <a:r>
-              <a:rPr lang="en-US" sz="2000" dirty="0"/>
+              <a:rPr lang="en-US" sz="2400" dirty="0"/>
               <a:t>✔ Speeds up packet transmission</a:t>
             </a:r>
           </a:p>
@@ -20914,7 +20971,7 @@
         <p:spPr>
           <a:xfrm>
             <a:off x="5515250" y="3825516"/>
-            <a:ext cx="4495065" cy="2246769"/>
+            <a:ext cx="4495065" cy="2616101"/>
           </a:xfrm>
           <a:prstGeom prst="rect">
             <a:avLst/>
@@ -20928,7 +20985,7 @@
           <a:lstStyle/>
           <a:p>
             <a:r>
-              <a:rPr lang="en-US" sz="2000" b="1" dirty="0"/>
+              <a:rPr lang="en-US" sz="2400" b="1" dirty="0"/>
               <a:t>Omit Non-Critical Tests</a:t>
             </a:r>
           </a:p>
@@ -20938,7 +20995,7 @@
               <a:buChar char="•"/>
             </a:pPr>
             <a:r>
-              <a:rPr lang="en-US" sz="2000" dirty="0"/>
+              <a:rPr lang="en-US" sz="2400" dirty="0"/>
               <a:t>Skip unnecessary scans like version detection or OS detection</a:t>
             </a:r>
           </a:p>
@@ -20948,14 +21005,14 @@
               <a:buChar char="•"/>
             </a:pPr>
             <a:r>
-              <a:rPr lang="en-US" sz="2000" dirty="0"/>
+              <a:rPr lang="en-US" sz="2400" dirty="0"/>
               <a:t>Focus only on required ports and services</a:t>
             </a:r>
             <a:br>
-              <a:rPr lang="en-US" sz="2000" dirty="0"/>
+              <a:rPr lang="en-US" sz="2400" dirty="0"/>
             </a:br>
             <a:r>
-              <a:rPr lang="en-US" sz="2000" dirty="0"/>
+              <a:rPr lang="en-US" sz="2400" dirty="0"/>
               <a:t>✔ Reduces scan overhead</a:t>
             </a:r>
           </a:p>
@@ -21189,8 +21246,8 @@
         </p:blipFill>
         <p:spPr>
           <a:xfrm>
-            <a:off x="584822" y="811869"/>
-            <a:ext cx="10345115" cy="4912656"/>
+            <a:off x="584822" y="811868"/>
+            <a:ext cx="10345115" cy="5290757"/>
           </a:xfrm>
           <a:prstGeom prst="rect">
             <a:avLst/>
@@ -21418,7 +21475,7 @@
                 </a:solidFill>
                 <a:latin typeface="Calibri"/>
               </a:rPr>
-              <a:t>28</a:t>
+              <a:t>27</a:t>
             </a:r>
             <a:endParaRPr lang="en-US" sz="2400" b="0" u="none" strike="noStrike" dirty="0">
               <a:solidFill>
@@ -21891,7 +21948,7 @@
                 </a:solidFill>
                 <a:latin typeface="Calibri"/>
               </a:rPr>
-              <a:t>29</a:t>
+              <a:t>28</a:t>
             </a:r>
             <a:endParaRPr lang="en-US" sz="2400" b="0" u="none" strike="noStrike" dirty="0">
               <a:solidFill>
@@ -22361,13 +22418,14 @@
               </a:lnSpc>
             </a:pPr>
             <a:r>
-              <a:rPr lang="en-US" sz="2400" dirty="0">
+              <a:rPr lang="en-US" sz="2400" b="0" u="none" strike="noStrike" dirty="0">
                 <a:solidFill>
                   <a:schemeClr val="dk1"/>
                 </a:solidFill>
+                <a:uFillTx/>
                 <a:latin typeface="Calibri"/>
               </a:rPr>
-              <a:t>30</a:t>
+              <a:t>29</a:t>
             </a:r>
             <a:endParaRPr lang="en-US" sz="2400" b="0" u="none" strike="noStrike" dirty="0">
               <a:solidFill>
@@ -22932,7 +22990,7 @@
         <p:spPr>
           <a:xfrm>
             <a:off x="560439" y="591552"/>
-            <a:ext cx="9999046" cy="5199648"/>
+            <a:ext cx="10302670" cy="5508360"/>
           </a:xfrm>
           <a:prstGeom prst="rect">
             <a:avLst/>
@@ -23125,7 +23183,7 @@
                 </a:solidFill>
                 <a:latin typeface="Calibri"/>
               </a:rPr>
-              <a:t>31</a:t>
+              <a:t>30</a:t>
             </a:r>
             <a:endParaRPr lang="en-US" sz="2400" b="0" u="none" strike="noStrike" dirty="0">
               <a:solidFill>
@@ -23159,8 +23217,8 @@
         </p:blipFill>
         <p:spPr>
           <a:xfrm>
-            <a:off x="622554" y="950759"/>
-            <a:ext cx="10328286" cy="4676391"/>
+            <a:off x="622554" y="950760"/>
+            <a:ext cx="10140030" cy="4953084"/>
           </a:xfrm>
           <a:prstGeom prst="rect">
             <a:avLst/>
@@ -23388,7 +23446,7 @@
                 </a:solidFill>
                 <a:latin typeface="Calibri"/>
               </a:rPr>
-              <a:t>32</a:t>
+              <a:t>31</a:t>
             </a:r>
             <a:endParaRPr lang="en-US" sz="2400" b="0" u="none" strike="noStrike" dirty="0">
               <a:solidFill>
@@ -23530,7 +23588,7 @@
         <p:spPr>
           <a:xfrm>
             <a:off x="968555" y="1402925"/>
-            <a:ext cx="9052138" cy="3785652"/>
+            <a:ext cx="9052138" cy="4339650"/>
           </a:xfrm>
           <a:prstGeom prst="rect">
             <a:avLst/>
@@ -23544,15 +23602,15 @@
           <a:lstStyle/>
           <a:p>
             <a:r>
-              <a:rPr lang="en-US" sz="2000" dirty="0"/>
+              <a:rPr lang="en-US" sz="2400" dirty="0"/>
               <a:t>Attackers and security testers use the following techniques to </a:t>
             </a:r>
             <a:r>
-              <a:rPr lang="en-US" sz="2000" b="1" dirty="0"/>
+              <a:rPr lang="en-US" sz="2400" b="1" dirty="0"/>
               <a:t>evade IDS/IPS and firewalls</a:t>
             </a:r>
             <a:r>
-              <a:rPr lang="en-US" sz="2000" dirty="0"/>
+              <a:rPr lang="en-US" sz="2400" dirty="0"/>
               <a:t> during scanning:</a:t>
             </a:r>
           </a:p>
@@ -23562,7 +23620,7 @@
               <a:buChar char="•"/>
             </a:pPr>
             <a:r>
-              <a:rPr lang="en-US" sz="2000" dirty="0"/>
+              <a:rPr lang="en-US" sz="2400" dirty="0"/>
               <a:t>Packet Fragmentation</a:t>
             </a:r>
           </a:p>
@@ -23572,7 +23630,7 @@
               <a:buChar char="•"/>
             </a:pPr>
             <a:r>
-              <a:rPr lang="en-US" sz="2000" dirty="0"/>
+              <a:rPr lang="en-US" sz="2400" dirty="0"/>
               <a:t>Source Port Manipulation</a:t>
             </a:r>
           </a:p>
@@ -23582,7 +23640,7 @@
               <a:buChar char="•"/>
             </a:pPr>
             <a:r>
-              <a:rPr lang="en-US" sz="2000" dirty="0"/>
+              <a:rPr lang="en-US" sz="2400" dirty="0"/>
               <a:t>Source routing </a:t>
             </a:r>
           </a:p>
@@ -23592,7 +23650,7 @@
               <a:buChar char="•"/>
             </a:pPr>
             <a:r>
-              <a:rPr lang="en-US" sz="2000" dirty="0"/>
+              <a:rPr lang="en-US" sz="2400" dirty="0"/>
               <a:t>IP address spoofing </a:t>
             </a:r>
           </a:p>
@@ -23602,7 +23660,7 @@
               <a:buChar char="•"/>
             </a:pPr>
             <a:r>
-              <a:rPr lang="en-US" sz="2000" dirty="0"/>
+              <a:rPr lang="en-US" sz="2400" dirty="0"/>
               <a:t>IP address decoy</a:t>
             </a:r>
           </a:p>
@@ -23612,7 +23670,7 @@
               <a:buChar char="•"/>
             </a:pPr>
             <a:r>
-              <a:rPr lang="en-US" sz="2000" dirty="0"/>
+              <a:rPr lang="en-US" sz="2400" dirty="0"/>
               <a:t>Mac address spoofing</a:t>
             </a:r>
           </a:p>
@@ -23622,7 +23680,7 @@
               <a:buChar char="•"/>
             </a:pPr>
             <a:r>
-              <a:rPr lang="en-US" sz="2000" dirty="0"/>
+              <a:rPr lang="en-US" sz="2400" dirty="0"/>
               <a:t>Proxy servers</a:t>
             </a:r>
           </a:p>
@@ -23858,7 +23916,7 @@
                 </a:solidFill>
                 <a:latin typeface="Calibri"/>
               </a:rPr>
-              <a:t>33</a:t>
+              <a:t>32</a:t>
             </a:r>
             <a:endParaRPr lang="en-US" sz="2400" b="0" u="none" strike="noStrike" dirty="0">
               <a:solidFill>
@@ -23960,7 +24018,7 @@
         <p:spPr>
           <a:xfrm>
             <a:off x="968555" y="1665697"/>
-            <a:ext cx="9743190" cy="3477875"/>
+            <a:ext cx="9743190" cy="4832092"/>
           </a:xfrm>
           <a:prstGeom prst="rect">
             <a:avLst/>
@@ -23974,14 +24032,14 @@
           <a:lstStyle/>
           <a:p>
             <a:r>
-              <a:rPr lang="en-US" sz="2000" b="1" i="0" dirty="0">
+              <a:rPr lang="en-US" sz="2400" b="1" i="0" dirty="0">
                 <a:effectLst/>
                 <a:latin typeface="Google Sans"/>
               </a:rPr>
               <a:t>IP address spoofing</a:t>
             </a:r>
             <a:r>
-              <a:rPr lang="en-US" sz="2000" b="0" i="0" dirty="0">
+              <a:rPr lang="en-US" sz="2400" b="0" i="0" dirty="0">
                 <a:effectLst/>
                 <a:latin typeface="Google Sans"/>
               </a:rPr>
@@ -23989,7 +24047,7 @@
             </a:r>
           </a:p>
           <a:p>
-            <a:endParaRPr lang="en-US" sz="2000" b="0" i="0" dirty="0">
+            <a:endParaRPr lang="en-US" sz="2400" b="0" i="0" dirty="0">
               <a:effectLst/>
               <a:latin typeface="Google Sans"/>
             </a:endParaRPr>
@@ -24000,15 +24058,15 @@
               <a:buChar char="•"/>
             </a:pPr>
             <a:r>
-              <a:rPr lang="en-US" sz="2000" dirty="0"/>
+              <a:rPr lang="en-US" sz="2400" dirty="0"/>
               <a:t>It operates at the </a:t>
             </a:r>
             <a:r>
-              <a:rPr lang="en-US" sz="2000" b="1" dirty="0"/>
+              <a:rPr lang="en-US" sz="2400" b="1" dirty="0"/>
               <a:t>Network Layer (Layer 3)</a:t>
             </a:r>
             <a:r>
-              <a:rPr lang="en-US" sz="2000" dirty="0"/>
+              <a:rPr lang="en-US" sz="2400" dirty="0"/>
               <a:t> of the OSI model and is commonly used to hide the attacker’s identity or impersonate another device.</a:t>
             </a:r>
           </a:p>
@@ -24017,7 +24075,7 @@
               <a:buFont typeface="Arial" panose="020B0604020202020204" pitchFamily="34" charset="0"/>
               <a:buChar char="•"/>
             </a:pPr>
-            <a:endParaRPr lang="en-US" sz="2000" dirty="0">
+            <a:endParaRPr lang="en-US" sz="2400" dirty="0">
               <a:latin typeface="Google Sans"/>
             </a:endParaRPr>
           </a:p>
@@ -24027,23 +24085,23 @@
               <a:buChar char="•"/>
             </a:pPr>
             <a:r>
-              <a:rPr lang="en-US" sz="2000" dirty="0"/>
+              <a:rPr lang="en-US" sz="2400" dirty="0"/>
               <a:t>In normal communication, each IP packet contains a </a:t>
             </a:r>
             <a:r>
-              <a:rPr lang="en-US" sz="2000" b="1" dirty="0"/>
+              <a:rPr lang="en-US" sz="2400" b="1" dirty="0"/>
               <a:t>source IP</a:t>
             </a:r>
             <a:r>
-              <a:rPr lang="en-US" sz="2000" dirty="0"/>
+              <a:rPr lang="en-US" sz="2400" dirty="0"/>
               <a:t> and a </a:t>
             </a:r>
             <a:r>
-              <a:rPr lang="en-US" sz="2000" b="1" dirty="0"/>
+              <a:rPr lang="en-US" sz="2400" b="1" dirty="0"/>
               <a:t>destination IP</a:t>
             </a:r>
             <a:r>
-              <a:rPr lang="en-US" sz="2000" dirty="0"/>
+              <a:rPr lang="en-US" sz="2400" dirty="0"/>
               <a:t>.</a:t>
             </a:r>
           </a:p>
@@ -24053,18 +24111,18 @@
               <a:buChar char="•"/>
             </a:pPr>
             <a:r>
-              <a:rPr lang="en-US" sz="2000" dirty="0"/>
+              <a:rPr lang="en-US" sz="2400" dirty="0"/>
               <a:t>Attacker modifies the </a:t>
             </a:r>
             <a:r>
-              <a:rPr lang="en-US" sz="2000" b="1" dirty="0"/>
+              <a:rPr lang="en-US" sz="2400" b="1" dirty="0"/>
               <a:t>source IP address</a:t>
             </a:r>
             <a:r>
-              <a:rPr lang="en-US" sz="2000" dirty="0"/>
+              <a:rPr lang="en-US" sz="2400" dirty="0"/>
               <a:t> before sending the packet, so the receiver believes the packet came from a different system.</a:t>
             </a:r>
-            <a:endParaRPr lang="en-US" sz="2000" dirty="0">
+            <a:endParaRPr lang="en-US" sz="2400" dirty="0">
               <a:latin typeface="Google Sans"/>
             </a:endParaRPr>
           </a:p>
@@ -24294,7 +24352,7 @@
                 </a:solidFill>
                 <a:latin typeface="Calibri"/>
               </a:rPr>
-              <a:t>34</a:t>
+              <a:t>33</a:t>
             </a:r>
             <a:endParaRPr lang="en-US" sz="2400" b="0" u="none" strike="noStrike" dirty="0">
               <a:solidFill>
@@ -24396,7 +24454,7 @@
         <p:spPr>
           <a:xfrm>
             <a:off x="905020" y="1964347"/>
-            <a:ext cx="9841177" cy="2862322"/>
+            <a:ext cx="9841177" cy="3724096"/>
           </a:xfrm>
           <a:prstGeom prst="rect">
             <a:avLst/>
@@ -24410,32 +24468,32 @@
           <a:lstStyle/>
           <a:p>
             <a:r>
-              <a:rPr lang="en-US" sz="2000" b="1" dirty="0"/>
+              <a:rPr lang="en-US" sz="2400" b="1" dirty="0"/>
               <a:t>MAC address spoofing</a:t>
             </a:r>
             <a:r>
-              <a:rPr lang="en-US" sz="2000" dirty="0"/>
+              <a:rPr lang="en-US" sz="2400" dirty="0"/>
               <a:t> is a technique in which an attacker </a:t>
             </a:r>
             <a:r>
-              <a:rPr lang="en-US" sz="2000" b="1" dirty="0"/>
+              <a:rPr lang="en-US" sz="2400" b="1" dirty="0"/>
               <a:t>changes or forges the Media Access Control (MAC) address</a:t>
             </a:r>
             <a:r>
-              <a:rPr lang="en-US" sz="2000" dirty="0"/>
+              <a:rPr lang="en-US" sz="2400" dirty="0"/>
               <a:t> of a network interface to </a:t>
             </a:r>
             <a:r>
-              <a:rPr lang="en-US" sz="2000" b="1" dirty="0"/>
+              <a:rPr lang="en-US" sz="2400" b="1" dirty="0"/>
               <a:t>impersonate another device</a:t>
             </a:r>
             <a:r>
-              <a:rPr lang="en-US" sz="2000" dirty="0"/>
+              <a:rPr lang="en-US" sz="2400" dirty="0"/>
               <a:t> on the same local network.</a:t>
             </a:r>
           </a:p>
           <a:p>
-            <a:endParaRPr lang="en-US" sz="2000" dirty="0"/>
+            <a:endParaRPr lang="en-US" sz="2400" dirty="0"/>
           </a:p>
           <a:p>
             <a:pPr marL="342900" indent="-342900">
@@ -24443,15 +24501,15 @@
               <a:buChar char="•"/>
             </a:pPr>
             <a:r>
-              <a:rPr lang="en-US" sz="2000" dirty="0"/>
+              <a:rPr lang="en-US" sz="2400" dirty="0"/>
               <a:t>It works at the </a:t>
             </a:r>
             <a:r>
-              <a:rPr lang="en-US" sz="2000" b="1" dirty="0"/>
+              <a:rPr lang="en-US" sz="2400" b="1" dirty="0"/>
               <a:t>Data Link Layer (Layer 2)</a:t>
             </a:r>
             <a:r>
-              <a:rPr lang="en-US" sz="2000" dirty="0"/>
+              <a:rPr lang="en-US" sz="2400" dirty="0"/>
               <a:t> of the OSI model.</a:t>
             </a:r>
           </a:p>
@@ -24461,7 +24519,7 @@
               <a:buChar char="•"/>
             </a:pPr>
             <a:r>
-              <a:rPr lang="en-US" sz="2000" dirty="0"/>
+              <a:rPr lang="en-US" sz="2400" dirty="0"/>
               <a:t>Every network device has a unique MAC address assigned by the manufacturer.</a:t>
             </a:r>
           </a:p>
@@ -24471,7 +24529,7 @@
               <a:buChar char="•"/>
             </a:pPr>
             <a:r>
-              <a:rPr lang="en-US" sz="2000" dirty="0"/>
+              <a:rPr lang="en-US" sz="2400" dirty="0"/>
               <a:t>Attacker manually alters this address using software tools, making the device appear as a trusted system on the network.</a:t>
             </a:r>
           </a:p>
@@ -24702,7 +24760,7 @@
                 <a:uFillTx/>
                 <a:latin typeface="Calibri"/>
               </a:rPr>
-              <a:t>35</a:t>
+              <a:t>34</a:t>
             </a:r>
             <a:endParaRPr lang="en-US" sz="2400" b="0" u="none" strike="noStrike" dirty="0">
               <a:solidFill>
@@ -24803,7 +24861,7 @@
         </p:nvSpPr>
         <p:spPr>
           <a:xfrm>
-            <a:off x="6095880" y="4822971"/>
+            <a:off x="6406064" y="4729455"/>
             <a:ext cx="4405580" cy="646331"/>
           </a:xfrm>
           <a:prstGeom prst="rect">
@@ -24823,7 +24881,7 @@
                   <a:schemeClr val="accent5"/>
                 </a:solidFill>
               </a:rPr>
-              <a:t> FIGURE 3:attacker use proxy sever to connecting the target server </a:t>
+              <a:t> FIGURE 12:attacker use proxy sever to connecting the target server </a:t>
             </a:r>
             <a:endParaRPr lang="en-US" dirty="0"/>
           </a:p>
@@ -25260,7 +25318,7 @@
                 </a:solidFill>
                 <a:latin typeface="Calibri"/>
               </a:rPr>
-              <a:t>36</a:t>
+              <a:t>35</a:t>
             </a:r>
             <a:endParaRPr lang="en-US" sz="2400" b="0" u="none" strike="noStrike" dirty="0">
               <a:solidFill>
@@ -26185,7 +26243,7 @@
         </p:nvSpPr>
         <p:spPr>
           <a:xfrm>
-            <a:off x="6894380" y="5014049"/>
+            <a:off x="7063345" y="5014049"/>
             <a:ext cx="3550927" cy="369332"/>
           </a:xfrm>
           <a:prstGeom prst="rect">
@@ -26207,7 +26265,6 @@
               </a:rPr>
               <a:t>FIGURE 1. Network Scanning  .</a:t>
             </a:r>
-            <a:endParaRPr lang="en-US" dirty="0"/>
           </a:p>
         </p:txBody>
       </p:sp>
@@ -26672,8 +26729,8 @@
               <a:spcAft>
                 <a:spcPct val="0"/>
               </a:spcAft>
-              <a:buFont typeface="Wingdings" panose="05000000000000000000" pitchFamily="2" charset="2"/>
-              <a:buChar char="q"/>
+              <a:buFont typeface="Arial" panose="020B0604020202020204" pitchFamily="34" charset="0"/>
+              <a:buChar char="•"/>
             </a:pPr>
             <a:r>
               <a:rPr lang="en-US" sz="2800" dirty="0"/>
@@ -26691,8 +26748,8 @@
               <a:spcAft>
                 <a:spcPct val="0"/>
               </a:spcAft>
-              <a:buFont typeface="Wingdings" panose="05000000000000000000" pitchFamily="2" charset="2"/>
-              <a:buChar char="q"/>
+              <a:buFont typeface="Arial" panose="020B0604020202020204" pitchFamily="34" charset="0"/>
+              <a:buChar char="•"/>
             </a:pPr>
             <a:r>
               <a:rPr lang="en-US" sz="2800" dirty="0"/>
@@ -26710,8 +26767,8 @@
               <a:spcAft>
                 <a:spcPct val="0"/>
               </a:spcAft>
-              <a:buFont typeface="Wingdings" panose="05000000000000000000" pitchFamily="2" charset="2"/>
-              <a:buChar char="q"/>
+              <a:buFont typeface="Arial" panose="020B0604020202020204" pitchFamily="34" charset="0"/>
+              <a:buChar char="•"/>
             </a:pPr>
             <a:r>
               <a:rPr lang="en-US" sz="2800" dirty="0"/>
@@ -26729,8 +26786,8 @@
               <a:spcAft>
                 <a:spcPct val="0"/>
               </a:spcAft>
-              <a:buFont typeface="Wingdings" panose="05000000000000000000" pitchFamily="2" charset="2"/>
-              <a:buChar char="q"/>
+              <a:buFont typeface="Arial" panose="020B0604020202020204" pitchFamily="34" charset="0"/>
+              <a:buChar char="•"/>
             </a:pPr>
             <a:r>
               <a:rPr lang="en-US" sz="2800" dirty="0"/>
@@ -26748,8 +26805,8 @@
               <a:spcAft>
                 <a:spcPct val="0"/>
               </a:spcAft>
-              <a:buFont typeface="Wingdings" panose="05000000000000000000" pitchFamily="2" charset="2"/>
-              <a:buChar char="q"/>
+              <a:buFont typeface="Arial" panose="020B0604020202020204" pitchFamily="34" charset="0"/>
+              <a:buChar char="•"/>
             </a:pPr>
             <a:r>
               <a:rPr lang="en-US" sz="2800" dirty="0"/>
@@ -27522,7 +27579,7 @@
                 </a:solidFill>
                 <a:latin typeface="Calibri"/>
               </a:rPr>
-              <a:t>8</a:t>
+              <a:t>7</a:t>
             </a:r>
             <a:endParaRPr lang="en-US" sz="2400" b="0" u="none" strike="noStrike" dirty="0">
               <a:solidFill>
@@ -27570,7 +27627,10 @@
           <a:lstStyle/>
           <a:p>
             <a:r>
-              <a:rPr lang="en-US" sz="2400" b="1" dirty="0">
+              <a:rPr lang="en-US" sz="2400" dirty="0">
+                <a:solidFill>
+                  <a:schemeClr val="tx2"/>
+                </a:solidFill>
                 <a:latin typeface="Times New Roman" panose="02020603050405020304" pitchFamily="18" charset="0"/>
                 <a:ea typeface="ADLaM Display" panose="020F0502020204030204" pitchFamily="2" charset="0"/>
                 <a:cs typeface="Times New Roman" panose="02020603050405020304" pitchFamily="18" charset="0"/>
@@ -27771,23 +27831,7 @@
                   <a:schemeClr val="tx2"/>
                 </a:solidFill>
               </a:rPr>
-              <a:t>                          FIGURE 1. Screenshot displaying Nmap scan </a:t>
-            </a:r>
-            <a:r>
-              <a:rPr lang="en-US" dirty="0" err="1">
-                <a:solidFill>
-                  <a:schemeClr val="tx2"/>
-                </a:solidFill>
-              </a:rPr>
-              <a:t>resilts</a:t>
-            </a:r>
-            <a:r>
-              <a:rPr lang="en-US" dirty="0">
-                <a:solidFill>
-                  <a:schemeClr val="tx2"/>
-                </a:solidFill>
-              </a:rPr>
-              <a:t> .</a:t>
+              <a:t>                          FIGURE 3. Screenshot displaying Nmap scan results .</a:t>
             </a:r>
             <a:endParaRPr lang="en-US" dirty="0">
               <a:solidFill>
@@ -28082,13 +28126,14 @@
               </a:lnSpc>
             </a:pPr>
             <a:r>
-              <a:rPr lang="en-US" sz="2400" dirty="0">
+              <a:rPr lang="en-US" sz="2400" b="0" u="none" strike="noStrike" dirty="0">
                 <a:solidFill>
                   <a:schemeClr val="dk1"/>
                 </a:solidFill>
+                <a:uFillTx/>
                 <a:latin typeface="Calibri"/>
               </a:rPr>
-              <a:t>9</a:t>
+              <a:t>8</a:t>
             </a:r>
             <a:endParaRPr lang="en-US" sz="2400" b="0" u="none" strike="noStrike" dirty="0">
               <a:solidFill>
@@ -28138,7 +28183,7 @@
           <a:fontRef idx="minor"/>
         </p:style>
         <p:txBody>
-          <a:bodyPr lIns="122040" tIns="122040" rIns="122040" bIns="122040" anchor="t">
+          <a:bodyPr lIns="122040" tIns="122040" rIns="122040" bIns="122040" anchor="ctr">
             <a:noAutofit/>
           </a:bodyPr>
           <a:lstStyle/>
@@ -28148,8 +28193,12 @@
               <a:buChar char="§"/>
             </a:pPr>
             <a:r>
-              <a:rPr lang="en-US" sz="2800" b="1" dirty="0"/>
-              <a:t>Hping3:</a:t>
+              <a:rPr lang="en-US" sz="2800" dirty="0">
+                <a:solidFill>
+                  <a:schemeClr val="tx2"/>
+                </a:solidFill>
+              </a:rPr>
+              <a:t>Hping3: </a:t>
             </a:r>
             <a:r>
               <a:rPr lang="en-US" sz="2400" dirty="0"/>
@@ -28162,16 +28211,16 @@
               <a:buChar char="§"/>
             </a:pPr>
             <a:r>
-              <a:rPr lang="en-US" sz="2800" b="1" dirty="0" err="1"/>
-              <a:t>Metasploit:</a:t>
-            </a:r>
-            <a:r>
-              <a:rPr lang="en-US" sz="2400" dirty="0" err="1"/>
-              <a:t>A</a:t>
+              <a:rPr lang="en-US" sz="2800" dirty="0">
+                <a:solidFill>
+                  <a:schemeClr val="tx2"/>
+                </a:solidFill>
+              </a:rPr>
+              <a:t>Metasploit: </a:t>
             </a:r>
             <a:r>
               <a:rPr lang="en-US" sz="2400" dirty="0"/>
-              <a:t> security framework used to test vulnerabilities and validate security weaknesses.</a:t>
+              <a:t>A security framework used to test vulnerabilities and validate security weaknesses.</a:t>
             </a:r>
           </a:p>
           <a:p>
@@ -28180,24 +28229,24 @@
               <a:buChar char="§"/>
             </a:pPr>
             <a:r>
-              <a:rPr lang="en-US" sz="2800" b="1" dirty="0" err="1"/>
+              <a:rPr lang="en-US" sz="2800" dirty="0" err="1">
+                <a:solidFill>
+                  <a:schemeClr val="tx2"/>
+                </a:solidFill>
+              </a:rPr>
               <a:t>NetScan</a:t>
             </a:r>
             <a:r>
-              <a:rPr lang="en-US" sz="2800" b="1" dirty="0"/>
-              <a:t> Tools </a:t>
-            </a:r>
-            <a:r>
-              <a:rPr lang="en-US" sz="2800" b="1" dirty="0" err="1"/>
-              <a:t>Pro:</a:t>
-            </a:r>
-            <a:r>
-              <a:rPr lang="en-US" sz="2400" dirty="0" err="1"/>
-              <a:t>A</a:t>
+              <a:rPr lang="en-US" sz="2800" dirty="0">
+                <a:solidFill>
+                  <a:schemeClr val="tx2"/>
+                </a:solidFill>
+              </a:rPr>
+              <a:t> Tools Pro: </a:t>
             </a:r>
             <a:r>
               <a:rPr lang="en-US" sz="2400" dirty="0"/>
-              <a:t> Windows-based toolkit for network scanning, diagnostics, and security auditing.</a:t>
+              <a:t>A Windows-based toolkit for network scanning, diagnostics, and security auditing.</a:t>
             </a:r>
             <a:endParaRPr lang="en-US" sz="2130" b="0" u="none" strike="noStrike" dirty="0">
               <a:solidFill>
@@ -28225,7 +28274,7 @@
         </p:nvSpPr>
         <p:spPr>
           <a:xfrm>
-            <a:off x="1028891" y="1129162"/>
+            <a:off x="1108260" y="1279416"/>
             <a:ext cx="5441013" cy="610554"/>
           </a:xfrm>
           <a:prstGeom prst="rect">
@@ -28463,13 +28512,14 @@
               </a:lnSpc>
             </a:pPr>
             <a:r>
-              <a:rPr lang="en-US" sz="2400" dirty="0">
+              <a:rPr lang="en-US" sz="2400" b="0" u="none" strike="noStrike" dirty="0">
                 <a:solidFill>
                   <a:schemeClr val="dk1"/>
                 </a:solidFill>
+                <a:uFillTx/>
                 <a:latin typeface="Calibri"/>
               </a:rPr>
-              <a:t>10</a:t>
+              <a:t>9</a:t>
             </a:r>
             <a:endParaRPr lang="en-US" sz="2400" b="0" u="none" strike="noStrike" dirty="0">
               <a:solidFill>
@@ -28503,8 +28553,8 @@
         </p:blipFill>
         <p:spPr>
           <a:xfrm>
-            <a:off x="743905" y="875071"/>
-            <a:ext cx="10059909" cy="4532671"/>
+            <a:off x="586409" y="487440"/>
+            <a:ext cx="10376452" cy="5508360"/>
           </a:xfrm>
           <a:prstGeom prst="rect">
             <a:avLst/>
